--- a/logicReasoning/Questions/Answer Template_GroupName.pptx
+++ b/logicReasoning/Questions/Answer Template_GroupName.pptx
@@ -117,11 +117,7 @@
 <file path=ppt/commentAuthors.xml><?xml version="1.0" encoding="utf-8"?>
 <p:cmAuthorLst xmlns:a="http://schemas.openxmlformats.org/drawingml/2006/main" xmlns:r="http://schemas.openxmlformats.org/officeDocument/2006/relationships" xmlns:p="http://schemas.openxmlformats.org/presentationml/2006/main">
   <p:cmAuthor id="1" name="Kuang, Liang" initials="KL" lastIdx="1" clrIdx="0">
-    <p:extLst>
-      <p:ext uri="{19B8F6BF-5375-455C-9EA6-DF929625EA0E}">
-        <p15:presenceInfo xmlns:p15="http://schemas.microsoft.com/office/powerpoint/2012/main" userId="S-1-5-21-3609080306-1671255945-596033090-249423" providerId="AD"/>
-      </p:ext>
-    </p:extLst>
+    <p:extLst/>
   </p:cmAuthor>
 </p:cmAuthorLst>
 </file>
@@ -311,7 +307,7 @@
           <a:p>
             <a:fld id="{E4B8E521-3ACD-4B4C-848B-F6909E9B7EEE}" type="datetimeFigureOut">
               <a:rPr lang="en-US" smtClean="0"/>
-              <a:t>5/3/2017</a:t>
+              <a:t>7/25/2018</a:t>
             </a:fld>
             <a:endParaRPr lang="en-US"/>
           </a:p>
@@ -623,7 +619,7 @@
           <a:p>
             <a:fld id="{E4B8E521-3ACD-4B4C-848B-F6909E9B7EEE}" type="datetimeFigureOut">
               <a:rPr lang="en-US" smtClean="0"/>
-              <a:t>5/3/2017</a:t>
+              <a:t>7/25/2018</a:t>
             </a:fld>
             <a:endParaRPr lang="en-US"/>
           </a:p>
@@ -845,7 +841,7 @@
           <a:p>
             <a:fld id="{E4B8E521-3ACD-4B4C-848B-F6909E9B7EEE}" type="datetimeFigureOut">
               <a:rPr lang="en-US" smtClean="0"/>
-              <a:t>5/3/2017</a:t>
+              <a:t>7/25/2018</a:t>
             </a:fld>
             <a:endParaRPr lang="en-US"/>
           </a:p>
@@ -1136,7 +1132,7 @@
           <a:p>
             <a:fld id="{E4B8E521-3ACD-4B4C-848B-F6909E9B7EEE}" type="datetimeFigureOut">
               <a:rPr lang="en-US" smtClean="0"/>
-              <a:t>5/3/2017</a:t>
+              <a:t>7/25/2018</a:t>
             </a:fld>
             <a:endParaRPr lang="en-US"/>
           </a:p>
@@ -1590,7 +1586,7 @@
           <a:p>
             <a:fld id="{E4B8E521-3ACD-4B4C-848B-F6909E9B7EEE}" type="datetimeFigureOut">
               <a:rPr lang="en-US" smtClean="0"/>
-              <a:t>5/3/2017</a:t>
+              <a:t>7/25/2018</a:t>
             </a:fld>
             <a:endParaRPr lang="en-US"/>
           </a:p>
@@ -2166,7 +2162,7 @@
           <a:p>
             <a:fld id="{E4B8E521-3ACD-4B4C-848B-F6909E9B7EEE}" type="datetimeFigureOut">
               <a:rPr lang="en-US" smtClean="0"/>
-              <a:t>5/3/2017</a:t>
+              <a:t>7/25/2018</a:t>
             </a:fld>
             <a:endParaRPr lang="en-US"/>
           </a:p>
@@ -3018,7 +3014,7 @@
           <a:p>
             <a:fld id="{E4B8E521-3ACD-4B4C-848B-F6909E9B7EEE}" type="datetimeFigureOut">
               <a:rPr lang="en-US" smtClean="0"/>
-              <a:t>5/3/2017</a:t>
+              <a:t>7/25/2018</a:t>
             </a:fld>
             <a:endParaRPr lang="en-US"/>
           </a:p>
@@ -3223,7 +3219,7 @@
           <a:p>
             <a:fld id="{E4B8E521-3ACD-4B4C-848B-F6909E9B7EEE}" type="datetimeFigureOut">
               <a:rPr lang="en-US" smtClean="0"/>
-              <a:t>5/3/2017</a:t>
+              <a:t>7/25/2018</a:t>
             </a:fld>
             <a:endParaRPr lang="en-US"/>
           </a:p>
@@ -3437,7 +3433,7 @@
           <a:p>
             <a:fld id="{E4B8E521-3ACD-4B4C-848B-F6909E9B7EEE}" type="datetimeFigureOut">
               <a:rPr lang="en-US" smtClean="0"/>
-              <a:t>5/3/2017</a:t>
+              <a:t>7/25/2018</a:t>
             </a:fld>
             <a:endParaRPr lang="en-US"/>
           </a:p>
@@ -3642,7 +3638,7 @@
           <a:p>
             <a:fld id="{E4B8E521-3ACD-4B4C-848B-F6909E9B7EEE}" type="datetimeFigureOut">
               <a:rPr lang="en-US" smtClean="0"/>
-              <a:t>5/3/2017</a:t>
+              <a:t>7/25/2018</a:t>
             </a:fld>
             <a:endParaRPr lang="en-US"/>
           </a:p>
@@ -3922,7 +3918,7 @@
           <a:p>
             <a:fld id="{E4B8E521-3ACD-4B4C-848B-F6909E9B7EEE}" type="datetimeFigureOut">
               <a:rPr lang="en-US" smtClean="0"/>
-              <a:t>5/3/2017</a:t>
+              <a:t>7/25/2018</a:t>
             </a:fld>
             <a:endParaRPr lang="en-US"/>
           </a:p>
@@ -4189,7 +4185,7 @@
           <a:p>
             <a:fld id="{E4B8E521-3ACD-4B4C-848B-F6909E9B7EEE}" type="datetimeFigureOut">
               <a:rPr lang="en-US" smtClean="0"/>
-              <a:t>5/3/2017</a:t>
+              <a:t>7/25/2018</a:t>
             </a:fld>
             <a:endParaRPr lang="en-US"/>
           </a:p>
@@ -4604,7 +4600,7 @@
           <a:p>
             <a:fld id="{E4B8E521-3ACD-4B4C-848B-F6909E9B7EEE}" type="datetimeFigureOut">
               <a:rPr lang="en-US" smtClean="0"/>
-              <a:t>5/3/2017</a:t>
+              <a:t>7/25/2018</a:t>
             </a:fld>
             <a:endParaRPr lang="en-US"/>
           </a:p>
@@ -4752,7 +4748,7 @@
           <a:p>
             <a:fld id="{E4B8E521-3ACD-4B4C-848B-F6909E9B7EEE}" type="datetimeFigureOut">
               <a:rPr lang="en-US" smtClean="0"/>
-              <a:t>5/3/2017</a:t>
+              <a:t>7/25/2018</a:t>
             </a:fld>
             <a:endParaRPr lang="en-US"/>
           </a:p>
@@ -4877,7 +4873,7 @@
           <a:p>
             <a:fld id="{E4B8E521-3ACD-4B4C-848B-F6909E9B7EEE}" type="datetimeFigureOut">
               <a:rPr lang="en-US" smtClean="0"/>
-              <a:t>5/3/2017</a:t>
+              <a:t>7/25/2018</a:t>
             </a:fld>
             <a:endParaRPr lang="en-US"/>
           </a:p>
@@ -5156,7 +5152,7 @@
           <a:p>
             <a:fld id="{E4B8E521-3ACD-4B4C-848B-F6909E9B7EEE}" type="datetimeFigureOut">
               <a:rPr lang="en-US" smtClean="0"/>
-              <a:t>5/3/2017</a:t>
+              <a:t>7/25/2018</a:t>
             </a:fld>
             <a:endParaRPr lang="en-US"/>
           </a:p>
@@ -5468,7 +5464,7 @@
           <a:p>
             <a:fld id="{E4B8E521-3ACD-4B4C-848B-F6909E9B7EEE}" type="datetimeFigureOut">
               <a:rPr lang="en-US" smtClean="0"/>
-              <a:t>5/3/2017</a:t>
+              <a:t>7/25/2018</a:t>
             </a:fld>
             <a:endParaRPr lang="en-US"/>
           </a:p>
@@ -5721,7 +5717,7 @@
           <a:p>
             <a:fld id="{E4B8E521-3ACD-4B4C-848B-F6909E9B7EEE}" type="datetimeFigureOut">
               <a:rPr lang="en-US" smtClean="0"/>
-              <a:t>5/3/2017</a:t>
+              <a:t>7/25/2018</a:t>
             </a:fld>
             <a:endParaRPr lang="en-US"/>
           </a:p>
@@ -5798,6 +5794,54 @@
               <a:t>‹#›</a:t>
             </a:fld>
             <a:endParaRPr lang="en-US"/>
+          </a:p>
+        </p:txBody>
+      </p:sp>
+      <p:sp>
+        <p:nvSpPr>
+          <p:cNvPr id="7" name="MSIPCMf4644a678d0784b850fca319" descr="{&quot;HashCode&quot;:-1330317080,&quot;Placement&quot;:&quot;Footer&quot;,&quot;Top&quot;:522.0343,&quot;Left&quot;:0.0,&quot;SlideWidth&quot;:960,&quot;SlideHeight&quot;:540}"/>
+          <p:cNvSpPr txBox="1"/>
+          <p:nvPr userDrawn="1"/>
+        </p:nvSpPr>
+        <p:spPr>
+          <a:xfrm>
+            <a:off x="0" y="6629836"/>
+            <a:ext cx="1228569" cy="228163"/>
+          </a:xfrm>
+          <a:prstGeom prst="rect">
+            <a:avLst/>
+          </a:prstGeom>
+          <a:noFill/>
+        </p:spPr>
+        <p:txBody>
+          <a:bodyPr vert="horz" wrap="square" lIns="0" tIns="0" rIns="0" bIns="0" rtlCol="0" anchor="ctr" anchorCtr="1">
+            <a:spAutoFit/>
+          </a:bodyPr>
+          <a:lstStyle/>
+          <a:p>
+            <a:pPr algn="l">
+              <a:spcBef>
+                <a:spcPts val="0"/>
+              </a:spcBef>
+              <a:spcAft>
+                <a:spcPts val="0"/>
+              </a:spcAft>
+            </a:pPr>
+            <a:r>
+              <a:rPr lang="en-US" sz="800" smtClean="0">
+                <a:solidFill>
+                  <a:srgbClr val="000000"/>
+                </a:solidFill>
+                <a:latin typeface="Calibri"/>
+              </a:rPr>
+              <a:t>Sensitivity: Confidential</a:t>
+            </a:r>
+            <a:endParaRPr lang="en-US" sz="800">
+              <a:solidFill>
+                <a:srgbClr val="000000"/>
+              </a:solidFill>
+              <a:latin typeface="Calibri"/>
+            </a:endParaRPr>
           </a:p>
         </p:txBody>
       </p:sp>
@@ -6185,8 +6229,8 @@
               <a:t>Template for </a:t>
             </a:r>
             <a:r>
-              <a:rPr lang="en-US" dirty="0" err="1" smtClean="0"/>
-              <a:t>logicReasoning</a:t>
+              <a:rPr lang="en-US" dirty="0" smtClean="0"/>
+              <a:t>logic Reasoning</a:t>
             </a:r>
             <a:r>
               <a:rPr lang="en-US" dirty="0" smtClean="0"/>
@@ -6233,7 +6277,7 @@
           <a:p>
             <a:r>
               <a:rPr lang="en-US" dirty="0" smtClean="0"/>
-              <a:t>2017-05-05</a:t>
+              <a:t>2018-07-25</a:t>
             </a:r>
             <a:endParaRPr lang="en-US" dirty="0"/>
           </a:p>
@@ -8224,15 +8268,7 @@
               <a:srgbClr val="969696"/>
             </a:contourClr>
           </a:sp3d>
-          <a:extLst>
-            <a:ext uri="{909E8E84-426E-40DD-AFC4-6F175D3DCCD1}">
-              <a14:hiddenFill xmlns:a14="http://schemas.microsoft.com/office/drawing/2010/main">
-                <a:solidFill>
-                  <a:srgbClr val="FFFFFF"/>
-                </a:solidFill>
-              </a14:hiddenFill>
-            </a:ext>
-          </a:extLst>
+          <a:extLst/>
         </p:spPr>
       </p:pic>
     </p:spTree>
@@ -8506,7 +8542,7 @@
   <a:extraClrSchemeLst/>
   <a:extLst>
     <a:ext uri="{05A4C25C-085E-4340-85A3-A5531E510DB2}">
-      <thm15:themeFamily xmlns:thm15="http://schemas.microsoft.com/office/thememl/2012/main" name="Droplet" id="{8984A317-299A-4E50-B45D-BFC9EDE2337A}" vid="{A633B6A3-9E7F-4C10-9C98-2517A3134361}"/>
+      <thm15:themeFamily xmlns:thm15="http://schemas.microsoft.com/office/thememl/2012/main" xmlns="" name="Droplet" id="{8984A317-299A-4E50-B45D-BFC9EDE2337A}" vid="{A633B6A3-9E7F-4C10-9C98-2517A3134361}"/>
     </a:ext>
   </a:extLst>
 </a:theme>
